--- a/doc/Dilemma.pptx
+++ b/doc/Dilemma.pptx
@@ -113,6 +113,11 @@
       </a:defRPr>
     </a:lvl9pPr>
   </p:defaultTextStyle>
+  <p:extLst>
+    <p:ext uri="{EFAFB233-063F-42B5-8137-9DF3F51BA10A}">
+      <p15:sldGuideLst xmlns:p15="http://schemas.microsoft.com/office/powerpoint/2012/main"/>
+    </p:ext>
+  </p:extLst>
 </p:presentation>
 </file>
 
@@ -247,7 +252,7 @@
           <a:p>
             <a:fld id="{6F43A5FE-A552-4E6E-8064-B0155C247FD4}" type="datetimeFigureOut">
               <a:rPr lang="en-US" smtClean="0"/>
-              <a:t>8/9/2025</a:t>
+              <a:t>9/25/2025</a:t>
             </a:fld>
             <a:endParaRPr lang="en-US"/>
           </a:p>
@@ -417,7 +422,7 @@
           <a:p>
             <a:fld id="{6F43A5FE-A552-4E6E-8064-B0155C247FD4}" type="datetimeFigureOut">
               <a:rPr lang="en-US" smtClean="0"/>
-              <a:t>8/9/2025</a:t>
+              <a:t>9/25/2025</a:t>
             </a:fld>
             <a:endParaRPr lang="en-US"/>
           </a:p>
@@ -597,7 +602,7 @@
           <a:p>
             <a:fld id="{6F43A5FE-A552-4E6E-8064-B0155C247FD4}" type="datetimeFigureOut">
               <a:rPr lang="en-US" smtClean="0"/>
-              <a:t>8/9/2025</a:t>
+              <a:t>9/25/2025</a:t>
             </a:fld>
             <a:endParaRPr lang="en-US"/>
           </a:p>
@@ -767,7 +772,7 @@
           <a:p>
             <a:fld id="{6F43A5FE-A552-4E6E-8064-B0155C247FD4}" type="datetimeFigureOut">
               <a:rPr lang="en-US" smtClean="0"/>
-              <a:t>8/9/2025</a:t>
+              <a:t>9/25/2025</a:t>
             </a:fld>
             <a:endParaRPr lang="en-US"/>
           </a:p>
@@ -1013,7 +1018,7 @@
           <a:p>
             <a:fld id="{6F43A5FE-A552-4E6E-8064-B0155C247FD4}" type="datetimeFigureOut">
               <a:rPr lang="en-US" smtClean="0"/>
-              <a:t>8/9/2025</a:t>
+              <a:t>9/25/2025</a:t>
             </a:fld>
             <a:endParaRPr lang="en-US"/>
           </a:p>
@@ -1245,7 +1250,7 @@
           <a:p>
             <a:fld id="{6F43A5FE-A552-4E6E-8064-B0155C247FD4}" type="datetimeFigureOut">
               <a:rPr lang="en-US" smtClean="0"/>
-              <a:t>8/9/2025</a:t>
+              <a:t>9/25/2025</a:t>
             </a:fld>
             <a:endParaRPr lang="en-US"/>
           </a:p>
@@ -1612,7 +1617,7 @@
           <a:p>
             <a:fld id="{6F43A5FE-A552-4E6E-8064-B0155C247FD4}" type="datetimeFigureOut">
               <a:rPr lang="en-US" smtClean="0"/>
-              <a:t>8/9/2025</a:t>
+              <a:t>9/25/2025</a:t>
             </a:fld>
             <a:endParaRPr lang="en-US"/>
           </a:p>
@@ -1730,7 +1735,7 @@
           <a:p>
             <a:fld id="{6F43A5FE-A552-4E6E-8064-B0155C247FD4}" type="datetimeFigureOut">
               <a:rPr lang="en-US" smtClean="0"/>
-              <a:t>8/9/2025</a:t>
+              <a:t>9/25/2025</a:t>
             </a:fld>
             <a:endParaRPr lang="en-US"/>
           </a:p>
@@ -1825,7 +1830,7 @@
           <a:p>
             <a:fld id="{6F43A5FE-A552-4E6E-8064-B0155C247FD4}" type="datetimeFigureOut">
               <a:rPr lang="en-US" smtClean="0"/>
-              <a:t>8/9/2025</a:t>
+              <a:t>9/25/2025</a:t>
             </a:fld>
             <a:endParaRPr lang="en-US"/>
           </a:p>
@@ -2102,7 +2107,7 @@
           <a:p>
             <a:fld id="{6F43A5FE-A552-4E6E-8064-B0155C247FD4}" type="datetimeFigureOut">
               <a:rPr lang="en-US" smtClean="0"/>
-              <a:t>8/9/2025</a:t>
+              <a:t>9/25/2025</a:t>
             </a:fld>
             <a:endParaRPr lang="en-US"/>
           </a:p>
@@ -2355,7 +2360,7 @@
           <a:p>
             <a:fld id="{6F43A5FE-A552-4E6E-8064-B0155C247FD4}" type="datetimeFigureOut">
               <a:rPr lang="en-US" smtClean="0"/>
-              <a:t>8/9/2025</a:t>
+              <a:t>9/25/2025</a:t>
             </a:fld>
             <a:endParaRPr lang="en-US"/>
           </a:p>
@@ -2568,7 +2573,7 @@
           <a:p>
             <a:fld id="{6F43A5FE-A552-4E6E-8064-B0155C247FD4}" type="datetimeFigureOut">
               <a:rPr lang="en-US" smtClean="0"/>
-              <a:t>8/9/2025</a:t>
+              <a:t>9/25/2025</a:t>
             </a:fld>
             <a:endParaRPr lang="en-US"/>
           </a:p>
@@ -3858,7 +3863,7 @@
         <p:spPr/>
         <p:txBody>
           <a:bodyPr>
-            <a:normAutofit fontScale="92500" lnSpcReduction="20000"/>
+            <a:normAutofit/>
           </a:bodyPr>
           <a:lstStyle/>
           <a:p>
@@ -3882,16 +3887,35 @@
             </a:pPr>
             <a:r>
               <a:rPr lang="en-US" dirty="0" smtClean="0"/>
-              <a:t>From an individual perspective, betraying is always the "rational" choice. If the other suspect cooperates, confessing leads to freedom (the best outcome). If the other suspect betrays, confessing still leads to a better outcome than remaining silent (a shorter sentence). </a:t>
-            </a:r>
-          </a:p>
-          <a:p>
-            <a:pPr marL="0" indent="0">
-              <a:buNone/>
-            </a:pPr>
+              <a:t>If </a:t>
+            </a:r>
             <a:r>
               <a:rPr lang="en-US" dirty="0" smtClean="0"/>
-              <a:t>However, if both suspects act rationally and betray, they both end up with a worse outcome (moderate sentence) than if they had both cooperated (light sentence). </a:t>
+              <a:t>the other suspect cooperates, </a:t>
+            </a:r>
+            <a:r>
+              <a:rPr lang="en-US" dirty="0" smtClean="0"/>
+              <a:t>betraying leads </a:t>
+            </a:r>
+            <a:r>
+              <a:rPr lang="en-US" dirty="0" smtClean="0"/>
+              <a:t>to freedom (the best outcome). </a:t>
+            </a:r>
+            <a:r>
+              <a:rPr lang="en-US" dirty="0" smtClean="0"/>
+              <a:t>However</a:t>
+            </a:r>
+            <a:r>
+              <a:rPr lang="en-US" dirty="0" smtClean="0"/>
+              <a:t>, if both suspects </a:t>
+            </a:r>
+            <a:r>
+              <a:rPr lang="en-US" dirty="0" smtClean="0"/>
+              <a:t>betray</a:t>
+            </a:r>
+            <a:r>
+              <a:rPr lang="en-US" dirty="0" smtClean="0"/>
+              <a:t>, they both end up with a worse outcome (moderate sentence) than if they had both cooperated (light sentence). </a:t>
             </a:r>
           </a:p>
           <a:p>
@@ -4006,7 +4030,19 @@
             </a:r>
             <a:r>
               <a:rPr lang="en-US" dirty="0"/>
-              <a:t>enhanced social interactivity by allowing users within close physical proximity to discover each other using a close range communication system, such as Bluetooth. Upon mutual discovery, users may form ad hoc groups through a centralized or distributed online services. These groups can then participate in a variety of social or transactional activities, including but not limited to gaming, dating, and commerce. The system supports identity advertisement and optional authentication features, allowing for trust-based interactions among participants. </a:t>
+              <a:t>enhanced social interactivity by allowing users within close physical proximity to discover each other using a close range communication system, such as Bluetooth. Upon mutual discovery, users may form ad hoc groups </a:t>
+            </a:r>
+            <a:r>
+              <a:rPr lang="en-US" dirty="0" smtClean="0"/>
+              <a:t>in person or </a:t>
+            </a:r>
+            <a:r>
+              <a:rPr lang="en-US" smtClean="0"/>
+              <a:t>through online </a:t>
+            </a:r>
+            <a:r>
+              <a:rPr lang="en-US" dirty="0"/>
+              <a:t>services. These groups can then participate in a variety of social or transactional activities, including but not limited to gaming, dating, and commerce. The system supports identity advertisement and optional authentication features, allowing for trust-based interactions among participants. </a:t>
             </a:r>
             <a:r>
               <a:rPr lang="en-US" dirty="0" smtClean="0"/>
